--- a/Semester 3/Project Management/Cursus/2PRO H10 Implementatie.pptx
+++ b/Semester 3/Project Management/Cursus/2PRO H10 Implementatie.pptx
@@ -1219,7 +1219,7 @@
           <a:p>
             <a:fld id="{21098B90-0CF2-4323-A3DF-B45B640F94BD}" type="datetimeFigureOut">
               <a:rPr lang="nl-BE" smtClean="0"/>
-              <a:t>9/10/2024</a:t>
+              <a:t>15/10/2024</a:t>
             </a:fld>
             <a:endParaRPr lang="nl-BE"/>
           </a:p>
@@ -1981,7 +1981,7 @@
           <a:p>
             <a:fld id="{14518F8D-4270-A64D-9D76-5750DE07B562}" type="datetimeFigureOut">
               <a:rPr lang="nl-BE" smtClean="0"/>
-              <a:t>9/10/2024</a:t>
+              <a:t>15/10/2024</a:t>
             </a:fld>
             <a:endParaRPr lang="nl-BE"/>
           </a:p>
@@ -2181,7 +2181,7 @@
           <a:p>
             <a:fld id="{14518F8D-4270-A64D-9D76-5750DE07B562}" type="datetimeFigureOut">
               <a:rPr lang="nl-BE" smtClean="0"/>
-              <a:t>9/10/2024</a:t>
+              <a:t>15/10/2024</a:t>
             </a:fld>
             <a:endParaRPr lang="nl-BE"/>
           </a:p>
@@ -2391,7 +2391,7 @@
           <a:p>
             <a:fld id="{14518F8D-4270-A64D-9D76-5750DE07B562}" type="datetimeFigureOut">
               <a:rPr lang="nl-BE" smtClean="0"/>
-              <a:t>9/10/2024</a:t>
+              <a:t>15/10/2024</a:t>
             </a:fld>
             <a:endParaRPr lang="nl-BE"/>
           </a:p>
@@ -2591,7 +2591,7 @@
           <a:p>
             <a:fld id="{14518F8D-4270-A64D-9D76-5750DE07B562}" type="datetimeFigureOut">
               <a:rPr lang="nl-BE" smtClean="0"/>
-              <a:t>9/10/2024</a:t>
+              <a:t>15/10/2024</a:t>
             </a:fld>
             <a:endParaRPr lang="nl-BE"/>
           </a:p>
@@ -2867,7 +2867,7 @@
           <a:p>
             <a:fld id="{14518F8D-4270-A64D-9D76-5750DE07B562}" type="datetimeFigureOut">
               <a:rPr lang="nl-BE" smtClean="0"/>
-              <a:t>9/10/2024</a:t>
+              <a:t>15/10/2024</a:t>
             </a:fld>
             <a:endParaRPr lang="nl-BE"/>
           </a:p>
@@ -3135,7 +3135,7 @@
           <a:p>
             <a:fld id="{14518F8D-4270-A64D-9D76-5750DE07B562}" type="datetimeFigureOut">
               <a:rPr lang="nl-BE" smtClean="0"/>
-              <a:t>9/10/2024</a:t>
+              <a:t>15/10/2024</a:t>
             </a:fld>
             <a:endParaRPr lang="nl-BE"/>
           </a:p>
@@ -3550,7 +3550,7 @@
           <a:p>
             <a:fld id="{14518F8D-4270-A64D-9D76-5750DE07B562}" type="datetimeFigureOut">
               <a:rPr lang="nl-BE" smtClean="0"/>
-              <a:t>9/10/2024</a:t>
+              <a:t>15/10/2024</a:t>
             </a:fld>
             <a:endParaRPr lang="nl-BE"/>
           </a:p>
@@ -3692,7 +3692,7 @@
           <a:p>
             <a:fld id="{14518F8D-4270-A64D-9D76-5750DE07B562}" type="datetimeFigureOut">
               <a:rPr lang="nl-BE" smtClean="0"/>
-              <a:t>9/10/2024</a:t>
+              <a:t>15/10/2024</a:t>
             </a:fld>
             <a:endParaRPr lang="nl-BE"/>
           </a:p>
@@ -3805,7 +3805,7 @@
           <a:p>
             <a:fld id="{14518F8D-4270-A64D-9D76-5750DE07B562}" type="datetimeFigureOut">
               <a:rPr lang="nl-BE" smtClean="0"/>
-              <a:t>9/10/2024</a:t>
+              <a:t>15/10/2024</a:t>
             </a:fld>
             <a:endParaRPr lang="nl-BE"/>
           </a:p>
@@ -4118,7 +4118,7 @@
           <a:p>
             <a:fld id="{14518F8D-4270-A64D-9D76-5750DE07B562}" type="datetimeFigureOut">
               <a:rPr lang="nl-BE" smtClean="0"/>
-              <a:t>9/10/2024</a:t>
+              <a:t>15/10/2024</a:t>
             </a:fld>
             <a:endParaRPr lang="nl-BE"/>
           </a:p>
@@ -4407,7 +4407,7 @@
           <a:p>
             <a:fld id="{14518F8D-4270-A64D-9D76-5750DE07B562}" type="datetimeFigureOut">
               <a:rPr lang="nl-BE" smtClean="0"/>
-              <a:t>9/10/2024</a:t>
+              <a:t>15/10/2024</a:t>
             </a:fld>
             <a:endParaRPr lang="nl-BE"/>
           </a:p>
@@ -4650,7 +4650,7 @@
           <a:p>
             <a:fld id="{14518F8D-4270-A64D-9D76-5750DE07B562}" type="datetimeFigureOut">
               <a:rPr lang="nl-BE" smtClean="0"/>
-              <a:t>9/10/2024</a:t>
+              <a:t>15/10/2024</a:t>
             </a:fld>
             <a:endParaRPr lang="nl-BE"/>
           </a:p>
@@ -34176,6 +34176,12 @@
 </file>
 
 <file path=customXml/item2.xml><?xml version="1.0" encoding="utf-8"?>
+<p:properties xmlns:p="http://schemas.microsoft.com/office/2006/metadata/properties" xmlns:xsi="http://www.w3.org/2001/XMLSchema-instance" xmlns:pc="http://schemas.microsoft.com/office/infopath/2007/PartnerControls">
+  <documentManagement/>
+</p:properties>
+</file>
+
+<file path=customXml/item3.xml><?xml version="1.0" encoding="utf-8"?>
 <ct:contentTypeSchema xmlns:ct="http://schemas.microsoft.com/office/2006/metadata/contentType" xmlns:ma="http://schemas.microsoft.com/office/2006/metadata/properties/metaAttributes" ct:_="" ma:_="" ma:contentTypeName="Document" ma:contentTypeID="0x01010074F10ACCBBC33940B37153B8EA821275" ma:contentTypeVersion="8" ma:contentTypeDescription="Een nieuw document maken." ma:contentTypeScope="" ma:versionID="5d519536652ac4032767b881f2c7dfca">
   <xsd:schema xmlns:xsd="http://www.w3.org/2001/XMLSchema" xmlns:xs="http://www.w3.org/2001/XMLSchema" xmlns:p="http://schemas.microsoft.com/office/2006/metadata/properties" xmlns:ns2="851bda00-0253-4f81-894b-da192263f94a" targetNamespace="http://schemas.microsoft.com/office/2006/metadata/properties" ma:root="true" ma:fieldsID="f5a60852fe6e9304c999a1d01b29e972" ns2:_="">
     <xsd:import namespace="851bda00-0253-4f81-894b-da192263f94a"/>
@@ -34343,12 +34349,6 @@
 </ct:contentTypeSchema>
 </file>
 
-<file path=customXml/item3.xml><?xml version="1.0" encoding="utf-8"?>
-<p:properties xmlns:p="http://schemas.microsoft.com/office/2006/metadata/properties" xmlns:xsi="http://www.w3.org/2001/XMLSchema-instance" xmlns:pc="http://schemas.microsoft.com/office/infopath/2007/PartnerControls">
-  <documentManagement/>
-</p:properties>
-</file>
-
 <file path=customXml/itemProps1.xml><?xml version="1.0" encoding="utf-8"?>
 <ds:datastoreItem xmlns:ds="http://schemas.openxmlformats.org/officeDocument/2006/customXml" ds:itemID="{27D12B28-8143-4C31-BB5F-E575A5574DED}">
   <ds:schemaRefs>
@@ -34358,6 +34358,22 @@
 </file>
 
 <file path=customXml/itemProps2.xml><?xml version="1.0" encoding="utf-8"?>
+<ds:datastoreItem xmlns:ds="http://schemas.openxmlformats.org/officeDocument/2006/customXml" ds:itemID="{7294E777-0BA1-4C20-8A42-16181B844546}">
+  <ds:schemaRefs>
+    <ds:schemaRef ds:uri="http://purl.org/dc/elements/1.1/"/>
+    <ds:schemaRef ds:uri="http://purl.org/dc/terms/"/>
+    <ds:schemaRef ds:uri="http://purl.org/dc/dcmitype/"/>
+    <ds:schemaRef ds:uri="http://schemas.microsoft.com/office/2006/documentManagement/types"/>
+    <ds:schemaRef ds:uri="http://www.w3.org/XML/1998/namespace"/>
+    <ds:schemaRef ds:uri="http://schemas.microsoft.com/office/infopath/2007/PartnerControls"/>
+    <ds:schemaRef ds:uri="http://schemas.openxmlformats.org/package/2006/metadata/core-properties"/>
+    <ds:schemaRef ds:uri="851bda00-0253-4f81-894b-da192263f94a"/>
+    <ds:schemaRef ds:uri="http://schemas.microsoft.com/office/2006/metadata/properties"/>
+  </ds:schemaRefs>
+</ds:datastoreItem>
+</file>
+
+<file path=customXml/itemProps3.xml><?xml version="1.0" encoding="utf-8"?>
 <ds:datastoreItem xmlns:ds="http://schemas.openxmlformats.org/officeDocument/2006/customXml" ds:itemID="{43A60AFF-8D90-4E5E-B8E7-0DC161050C85}">
   <ds:schemaRefs>
     <ds:schemaRef ds:uri="http://schemas.microsoft.com/office/2006/metadata/contentType"/>
@@ -34373,20 +34389,4 @@
     <ds:schemaRef ds:uri="http://schemas.microsoft.com/internal/obd"/>
   </ds:schemaRefs>
 </ds:datastoreItem>
-</file>
-
-<file path=customXml/itemProps3.xml><?xml version="1.0" encoding="utf-8"?>
-<ds:datastoreItem xmlns:ds="http://schemas.openxmlformats.org/officeDocument/2006/customXml" ds:itemID="{7294E777-0BA1-4C20-8A42-16181B844546}">
-  <ds:schemaRefs>
-    <ds:schemaRef ds:uri="http://purl.org/dc/elements/1.1/"/>
-    <ds:schemaRef ds:uri="http://purl.org/dc/terms/"/>
-    <ds:schemaRef ds:uri="http://purl.org/dc/dcmitype/"/>
-    <ds:schemaRef ds:uri="http://schemas.microsoft.com/office/2006/documentManagement/types"/>
-    <ds:schemaRef ds:uri="http://www.w3.org/XML/1998/namespace"/>
-    <ds:schemaRef ds:uri="http://schemas.microsoft.com/office/infopath/2007/PartnerControls"/>
-    <ds:schemaRef ds:uri="http://schemas.openxmlformats.org/package/2006/metadata/core-properties"/>
-    <ds:schemaRef ds:uri="851bda00-0253-4f81-894b-da192263f94a"/>
-    <ds:schemaRef ds:uri="http://schemas.microsoft.com/office/2006/metadata/properties"/>
-  </ds:schemaRefs>
-</ds:datastoreItem>
 </file>